--- a/Hafta-2.pptx
+++ b/Hafta-2.pptx
@@ -5,10 +5,10 @@
     <p:sldMasterId id="2147483696" r:id="rId4"/>
   </p:sldMasterIdLst>
   <p:notesMasterIdLst>
-    <p:notesMasterId r:id="rId91"/>
+    <p:notesMasterId r:id="rId92"/>
   </p:notesMasterIdLst>
   <p:handoutMasterIdLst>
-    <p:handoutMasterId r:id="rId92"/>
+    <p:handoutMasterId r:id="rId93"/>
   </p:handoutMasterIdLst>
   <p:sldIdLst>
     <p:sldId id="306" r:id="rId5"/>
@@ -95,8 +95,9 @@
     <p:sldId id="390" r:id="rId86"/>
     <p:sldId id="391" r:id="rId87"/>
     <p:sldId id="392" r:id="rId88"/>
-    <p:sldId id="312" r:id="rId89"/>
-    <p:sldId id="394" r:id="rId90"/>
+    <p:sldId id="395" r:id="rId89"/>
+    <p:sldId id="312" r:id="rId90"/>
+    <p:sldId id="394" r:id="rId91"/>
   </p:sldIdLst>
   <p:sldSz cx="12192000" cy="6858000"/>
   <p:notesSz cx="6858000" cy="9144000"/>
@@ -322,7 +323,7 @@
           <a:p>
             <a:fld id="{AF536ADF-3EC2-4D6F-9F7F-1F88E3288139}" type="datetime1">
               <a:rPr lang="tr-TR" smtClean="0"/>
-              <a:t>26.09.2022</a:t>
+              <a:t>12.10.2022</a:t>
             </a:fld>
             <a:endParaRPr lang="tr-TR"/>
           </a:p>
@@ -502,7 +503,7 @@
             <a:pPr rtl="0"/>
             <a:fld id="{BA214D3A-912A-4866-90B4-0232CEDB2416}" type="datetime1">
               <a:rPr lang="tr-TR" noProof="0" smtClean="0"/>
-              <a:t>26.09.2022</a:t>
+              <a:t>12.10.2022</a:t>
             </a:fld>
             <a:endParaRPr lang="tr-TR" noProof="0"/>
           </a:p>
@@ -7903,7 +7904,7 @@
     </p:spTree>
     <p:extLst>
       <p:ext uri="{BB962C8B-B14F-4D97-AF65-F5344CB8AC3E}">
-        <p14:creationId xmlns:p14="http://schemas.microsoft.com/office/powerpoint/2010/main" val="4017186794"/>
+        <p14:creationId xmlns:p14="http://schemas.microsoft.com/office/powerpoint/2010/main" val="2440536763"/>
       </p:ext>
     </p:extLst>
   </p:cSld>
@@ -7980,6 +7981,91 @@
             <a:fld id="{D5939589-3E79-4C82-AA4A-FE78234FAA59}" type="slidenum">
               <a:rPr lang="tr-TR" smtClean="0"/>
               <a:t>86</a:t>
+            </a:fld>
+            <a:endParaRPr lang="tr-TR"/>
+          </a:p>
+        </p:txBody>
+      </p:sp>
+    </p:spTree>
+    <p:extLst>
+      <p:ext uri="{BB962C8B-B14F-4D97-AF65-F5344CB8AC3E}">
+        <p14:creationId xmlns:p14="http://schemas.microsoft.com/office/powerpoint/2010/main" val="4017186794"/>
+      </p:ext>
+    </p:extLst>
+  </p:cSld>
+  <p:clrMapOvr>
+    <a:masterClrMapping/>
+  </p:clrMapOvr>
+</p:notes>
+</file>
+
+<file path=ppt/notesSlides/notesSlide87.xml><?xml version="1.0" encoding="utf-8"?>
+<p:notes xmlns:a="http://schemas.openxmlformats.org/drawingml/2006/main" xmlns:r="http://schemas.openxmlformats.org/officeDocument/2006/relationships" xmlns:p="http://schemas.openxmlformats.org/presentationml/2006/main">
+  <p:cSld>
+    <p:spTree>
+      <p:nvGrpSpPr>
+        <p:cNvPr id="1" name=""/>
+        <p:cNvGrpSpPr/>
+        <p:nvPr/>
+      </p:nvGrpSpPr>
+      <p:grpSpPr>
+        <a:xfrm>
+          <a:off x="0" y="0"/>
+          <a:ext cx="0" cy="0"/>
+          <a:chOff x="0" y="0"/>
+          <a:chExt cx="0" cy="0"/>
+        </a:xfrm>
+      </p:grpSpPr>
+      <p:sp>
+        <p:nvSpPr>
+          <p:cNvPr id="2" name="Slayt Resmi Yer Tutucusu 1"/>
+          <p:cNvSpPr>
+            <a:spLocks noGrp="1" noRot="1" noChangeAspect="1"/>
+          </p:cNvSpPr>
+          <p:nvPr>
+            <p:ph type="sldImg"/>
+          </p:nvPr>
+        </p:nvSpPr>
+        <p:spPr/>
+      </p:sp>
+      <p:sp>
+        <p:nvSpPr>
+          <p:cNvPr id="3" name="Not Yer Tutucusu 2"/>
+          <p:cNvSpPr>
+            <a:spLocks noGrp="1"/>
+          </p:cNvSpPr>
+          <p:nvPr>
+            <p:ph type="body" idx="1"/>
+          </p:nvPr>
+        </p:nvSpPr>
+        <p:spPr/>
+        <p:txBody>
+          <a:bodyPr/>
+          <a:lstStyle/>
+          <a:p>
+            <a:endParaRPr lang="tr-TR"/>
+          </a:p>
+        </p:txBody>
+      </p:sp>
+      <p:sp>
+        <p:nvSpPr>
+          <p:cNvPr id="4" name="Slayt Numarası Yer Tutucusu 3"/>
+          <p:cNvSpPr>
+            <a:spLocks noGrp="1"/>
+          </p:cNvSpPr>
+          <p:nvPr>
+            <p:ph type="sldNum" sz="quarter" idx="5"/>
+          </p:nvPr>
+        </p:nvSpPr>
+        <p:spPr/>
+        <p:txBody>
+          <a:bodyPr/>
+          <a:lstStyle/>
+          <a:p>
+            <a:pPr rtl="0"/>
+            <a:fld id="{D5939589-3E79-4C82-AA4A-FE78234FAA59}" type="slidenum">
+              <a:rPr lang="tr-TR" smtClean="0"/>
+              <a:t>87</a:t>
             </a:fld>
             <a:endParaRPr lang="tr-TR"/>
           </a:p>
@@ -24485,10 +24571,10 @@
       </p:pic>
       <p:pic>
         <p:nvPicPr>
-          <p:cNvPr id="5" name="Resim 4">
-            <a:extLst>
-              <a:ext uri="{FF2B5EF4-FFF2-40B4-BE49-F238E27FC236}">
-                <a16:creationId xmlns:a16="http://schemas.microsoft.com/office/drawing/2014/main" id="{856F1AFC-1804-1E80-DCB8-CEEBA2C795F1}"/>
+          <p:cNvPr id="8" name="Resim 7">
+            <a:extLst>
+              <a:ext uri="{FF2B5EF4-FFF2-40B4-BE49-F238E27FC236}">
+                <a16:creationId xmlns:a16="http://schemas.microsoft.com/office/drawing/2014/main" id="{B92C8F30-9DC2-DA5C-9117-AAA40CB74E40}"/>
               </a:ext>
             </a:extLst>
           </p:cNvPr>
@@ -24505,8 +24591,8 @@
         </p:blipFill>
         <p:spPr>
           <a:xfrm>
-            <a:off x="838200" y="2060104"/>
-            <a:ext cx="6408000" cy="3204000"/>
+            <a:off x="1714500" y="2060104"/>
+            <a:ext cx="4381500" cy="3771900"/>
           </a:xfrm>
           <a:prstGeom prst="rect">
             <a:avLst/>
@@ -24690,14 +24776,18 @@
               </a:spcAft>
             </a:pPr>
             <a:r>
+              <a:rPr lang="tr-TR" sz="2200" b="1" dirty="0">
+                <a:latin typeface="Times New Roman" panose="02020603050405020304" pitchFamily="18" charset="0"/>
+                <a:cs typeface="Times New Roman" panose="02020603050405020304" pitchFamily="18" charset="0"/>
+              </a:rPr>
+              <a:t>Ödev-1:</a:t>
+            </a:r>
+            <a:r>
               <a:rPr lang="tr-TR" sz="2200" dirty="0">
-                <a:solidFill>
-                  <a:schemeClr val="accent2"/>
-                </a:solidFill>
                 <a:latin typeface="Times New Roman" panose="02020603050405020304" pitchFamily="18" charset="0"/>
                 <a:cs typeface="Times New Roman" panose="02020603050405020304" pitchFamily="18" charset="0"/>
               </a:rPr>
-              <a:t>Aşağıdaki sürekli zamanlı bulanık küme üyelik fonksiyonunu Python programlama dilinde çizdiriniz? Verilen bir X değerinin üyelik derecesini hesaplatıp ekrana yazdırın?</a:t>
+              <a:t> Aşağıdaki sürekli zamanlı bulanık küme üyelik fonksiyonunu Python programlama dilinde çizdiriniz? Verilen bir X değerinin üyelik derecesini hesaplatıp ekrana yazdırın?</a:t>
             </a:r>
           </a:p>
           <a:p>
@@ -24744,7 +24834,7 @@
         </p:blipFill>
         <p:spPr>
           <a:xfrm>
-            <a:off x="3629025" y="2597930"/>
+            <a:off x="3629025" y="2855881"/>
             <a:ext cx="4981575" cy="3619500"/>
           </a:xfrm>
           <a:prstGeom prst="rect">
@@ -25112,7 +25202,7 @@
                 <a:latin typeface="Times New Roman" panose="02020603050405020304" pitchFamily="18" charset="0"/>
                 <a:cs typeface="Times New Roman" panose="02020603050405020304" pitchFamily="18" charset="0"/>
               </a:rPr>
-              <a:t>•	Eğer	X = {x</a:t>
+              <a:t>Eğer	X = {x</a:t>
             </a:r>
             <a:r>
               <a:rPr lang="tr-TR" sz="2200" baseline="-25000" dirty="0">
@@ -26194,9 +26284,6 @@
             </a:pPr>
             <a:r>
               <a:rPr lang="tr-TR" sz="2200" dirty="0">
-                <a:solidFill>
-                  <a:schemeClr val="tx2"/>
-                </a:solidFill>
                 <a:latin typeface="Times New Roman" panose="02020603050405020304" pitchFamily="18" charset="0"/>
                 <a:cs typeface="Times New Roman" panose="02020603050405020304" pitchFamily="18" charset="0"/>
               </a:rPr>
@@ -26218,9 +26305,6 @@
             </a:pPr>
             <a:r>
               <a:rPr lang="tr-TR" sz="2200" dirty="0">
-                <a:solidFill>
-                  <a:schemeClr val="tx2"/>
-                </a:solidFill>
                 <a:latin typeface="Times New Roman" panose="02020603050405020304" pitchFamily="18" charset="0"/>
                 <a:cs typeface="Times New Roman" panose="02020603050405020304" pitchFamily="18" charset="0"/>
               </a:rPr>
@@ -26241,9 +26325,6 @@
             </a:pPr>
             <a:r>
               <a:rPr lang="tr-TR" sz="2200" dirty="0">
-                <a:solidFill>
-                  <a:schemeClr val="tx2"/>
-                </a:solidFill>
                 <a:latin typeface="Times New Roman" panose="02020603050405020304" pitchFamily="18" charset="0"/>
                 <a:cs typeface="Times New Roman" panose="02020603050405020304" pitchFamily="18" charset="0"/>
               </a:rPr>
@@ -26265,9 +26346,6 @@
             </a:pPr>
             <a:r>
               <a:rPr lang="tr-TR" sz="2200" dirty="0">
-                <a:solidFill>
-                  <a:schemeClr val="tx2"/>
-                </a:solidFill>
                 <a:latin typeface="Times New Roman" panose="02020603050405020304" pitchFamily="18" charset="0"/>
                 <a:cs typeface="Times New Roman" panose="02020603050405020304" pitchFamily="18" charset="0"/>
               </a:rPr>
@@ -26288,9 +26366,6 @@
             </a:pPr>
             <a:r>
               <a:rPr lang="tr-TR" sz="2200" dirty="0">
-                <a:solidFill>
-                  <a:schemeClr val="tx2"/>
-                </a:solidFill>
                 <a:latin typeface="Times New Roman" panose="02020603050405020304" pitchFamily="18" charset="0"/>
                 <a:cs typeface="Times New Roman" panose="02020603050405020304" pitchFamily="18" charset="0"/>
               </a:rPr>
@@ -26312,9 +26387,6 @@
             </a:pPr>
             <a:r>
               <a:rPr lang="tr-TR" sz="2200" dirty="0">
-                <a:solidFill>
-                  <a:schemeClr val="tx2"/>
-                </a:solidFill>
                 <a:latin typeface="Times New Roman" panose="02020603050405020304" pitchFamily="18" charset="0"/>
                 <a:cs typeface="Times New Roman" panose="02020603050405020304" pitchFamily="18" charset="0"/>
               </a:rPr>
@@ -26526,16 +26598,6 @@
               </a:spcAft>
             </a:pPr>
             <a:r>
-              <a:rPr lang="tr-TR" sz="2200" dirty="0" err="1">
-                <a:solidFill>
-                  <a:schemeClr val="tx2"/>
-                </a:solidFill>
-                <a:latin typeface="Times New Roman" panose="02020603050405020304" pitchFamily="18" charset="0"/>
-                <a:cs typeface="Times New Roman" panose="02020603050405020304" pitchFamily="18" charset="0"/>
-              </a:rPr>
-              <a:t>u’yusözel</a:t>
-            </a:r>
-            <a:r>
               <a:rPr lang="tr-TR" sz="2200" dirty="0">
                 <a:solidFill>
                   <a:schemeClr val="tx2"/>
@@ -26543,7 +26605,7 @@
                 <a:latin typeface="Times New Roman" panose="02020603050405020304" pitchFamily="18" charset="0"/>
                 <a:cs typeface="Times New Roman" panose="02020603050405020304" pitchFamily="18" charset="0"/>
               </a:rPr>
-              <a:t> bir değişkenin adı kabul edelim (örneğin sıcaklık).</a:t>
+              <a:t>u’yu sözel bir değişkenin adı kabul edelim (örneğin sıcaklık).</a:t>
             </a:r>
           </a:p>
           <a:p>
@@ -26757,7 +26819,7 @@
                 <a:latin typeface="Times New Roman" panose="02020603050405020304" pitchFamily="18" charset="0"/>
                 <a:cs typeface="Times New Roman" panose="02020603050405020304" pitchFamily="18" charset="0"/>
               </a:rPr>
-              <a:t>yusözel</a:t>
+              <a:t>yu</a:t>
             </a:r>
             <a:r>
               <a:rPr lang="tr-TR" sz="2200" dirty="0">
@@ -26767,7 +26829,7 @@
                 <a:latin typeface="Times New Roman" panose="02020603050405020304" pitchFamily="18" charset="0"/>
                 <a:cs typeface="Times New Roman" panose="02020603050405020304" pitchFamily="18" charset="0"/>
               </a:rPr>
-              <a:t> bir değişken olarak kabul edelim.</a:t>
+              <a:t> sözel bir değişken olarak kabul edelim.</a:t>
             </a:r>
           </a:p>
           <a:p>
@@ -27255,6 +27317,81 @@
               </a:rPr>
               <a:t>“YAKIN” bulanık kümesini tanımlamanın en iyi yolu nesnenin uzaklığına bağlı bir üyelik fonksiyonu tanımlamaktadır. </a:t>
             </a:r>
+          </a:p>
+          <a:p>
+            <a:pPr marR="0" algn="just" rtl="0">
+              <a:buFont typeface="Symbol" panose="05050102010706020507" pitchFamily="18" charset="2"/>
+              <a:buChar char="·"/>
+            </a:pPr>
+            <a:endParaRPr lang="tr-TR" sz="2000" dirty="0">
+              <a:latin typeface="Times New Roman" panose="02020603050405020304" pitchFamily="18" charset="0"/>
+            </a:endParaRPr>
+          </a:p>
+          <a:p>
+            <a:pPr marR="0" algn="just" rtl="0">
+              <a:buFont typeface="Symbol" panose="05050102010706020507" pitchFamily="18" charset="2"/>
+              <a:buChar char="·"/>
+            </a:pPr>
+            <a:endParaRPr lang="tr-TR" sz="2000" b="0" i="0" u="none" strike="noStrike" baseline="0" dirty="0">
+              <a:latin typeface="Times New Roman" panose="02020603050405020304" pitchFamily="18" charset="0"/>
+            </a:endParaRPr>
+          </a:p>
+          <a:p>
+            <a:pPr marR="0" algn="just" rtl="0">
+              <a:buFont typeface="Symbol" panose="05050102010706020507" pitchFamily="18" charset="2"/>
+              <a:buChar char="·"/>
+            </a:pPr>
+            <a:endParaRPr lang="tr-TR" sz="2000" dirty="0">
+              <a:latin typeface="Times New Roman" panose="02020603050405020304" pitchFamily="18" charset="0"/>
+            </a:endParaRPr>
+          </a:p>
+          <a:p>
+            <a:pPr marR="0" algn="just" rtl="0">
+              <a:buFont typeface="Symbol" panose="05050102010706020507" pitchFamily="18" charset="2"/>
+              <a:buChar char="·"/>
+            </a:pPr>
+            <a:endParaRPr lang="tr-TR" sz="2000" b="0" i="0" u="none" strike="noStrike" baseline="0" dirty="0">
+              <a:latin typeface="Times New Roman" panose="02020603050405020304" pitchFamily="18" charset="0"/>
+            </a:endParaRPr>
+          </a:p>
+          <a:p>
+            <a:pPr marR="0" algn="just" rtl="0">
+              <a:buFont typeface="Symbol" panose="05050102010706020507" pitchFamily="18" charset="2"/>
+              <a:buChar char="·"/>
+            </a:pPr>
+            <a:endParaRPr lang="tr-TR" sz="2000" dirty="0">
+              <a:latin typeface="Times New Roman" panose="02020603050405020304" pitchFamily="18" charset="0"/>
+            </a:endParaRPr>
+          </a:p>
+          <a:p>
+            <a:pPr marR="0" algn="just" rtl="0">
+              <a:buFont typeface="Symbol" panose="05050102010706020507" pitchFamily="18" charset="2"/>
+              <a:buChar char="·"/>
+            </a:pPr>
+            <a:endParaRPr lang="tr-TR" sz="2000" b="0" i="0" u="none" strike="noStrike" baseline="0" dirty="0">
+              <a:latin typeface="Times New Roman" panose="02020603050405020304" pitchFamily="18" charset="0"/>
+            </a:endParaRPr>
+          </a:p>
+          <a:p>
+            <a:pPr marR="0" algn="just" rtl="0">
+              <a:buFont typeface="Symbol" panose="05050102010706020507" pitchFamily="18" charset="2"/>
+              <a:buChar char="·"/>
+            </a:pPr>
+            <a:r>
+              <a:rPr lang="tr-TR" sz="2000" b="1" u="sng" dirty="0">
+                <a:latin typeface="Times New Roman" panose="02020603050405020304" pitchFamily="18" charset="0"/>
+              </a:rPr>
+              <a:t>Ödev-2 (Odev2.py): </a:t>
+            </a:r>
+            <a:r>
+              <a:rPr lang="tr-TR" sz="2000" u="sng" dirty="0">
+                <a:latin typeface="Times New Roman" panose="02020603050405020304" pitchFamily="18" charset="0"/>
+              </a:rPr>
+              <a:t>Yukarıda verilen mesafe dilsel değişkenine ait YAKIN dilsel teriminin bulanık kümesinin [-500, 500] evrensel kümesi için çizen Python kodunu yazınız?</a:t>
+            </a:r>
+            <a:endParaRPr lang="tr-TR" sz="2000" i="0" u="sng" strike="noStrike" baseline="0" dirty="0">
+              <a:latin typeface="Times New Roman" panose="02020603050405020304" pitchFamily="18" charset="0"/>
+            </a:endParaRPr>
           </a:p>
         </p:txBody>
       </p:sp>
@@ -30169,19 +30306,7 @@
               <a:rPr lang="tr-TR" altLang="tr-TR" sz="2200" dirty="0">
                 <a:latin typeface="Times New Roman" panose="02020603050405020304" pitchFamily="18" charset="0"/>
               </a:rPr>
-              <a:t>Örnek: “hız” sözel </a:t>
-            </a:r>
-            <a:r>
-              <a:rPr lang="tr-TR" altLang="tr-TR" sz="2200" dirty="0" err="1">
-                <a:latin typeface="Times New Roman" panose="02020603050405020304" pitchFamily="18" charset="0"/>
-              </a:rPr>
-              <a:t>degiskeninin</a:t>
-            </a:r>
-            <a:r>
-              <a:rPr lang="tr-TR" altLang="tr-TR" sz="2200" dirty="0">
-                <a:latin typeface="Times New Roman" panose="02020603050405020304" pitchFamily="18" charset="0"/>
-              </a:rPr>
-              <a:t> terim kümesi söyle gösterilebilir;</a:t>
+              <a:t>Örnek: “hız” sözel degişkeninin terim kümesi şöyle gösterilebilir;</a:t>
             </a:r>
           </a:p>
           <a:p>
@@ -31139,7 +31264,7 @@
         </p:spPr>
         <p:txBody>
           <a:bodyPr>
-            <a:normAutofit/>
+            <a:normAutofit fontScale="92500"/>
           </a:bodyPr>
           <a:lstStyle/>
           <a:p>
@@ -31186,16 +31311,10 @@
               </a:spcAft>
             </a:pPr>
             <a:r>
-              <a:rPr lang="tr-TR" sz="2200" dirty="0" err="1">
-                <a:latin typeface="Times New Roman" panose="02020603050405020304" pitchFamily="18" charset="0"/>
-              </a:rPr>
-              <a:t>Örnek:Bazı</a:t>
-            </a:r>
-            <a:r>
               <a:rPr lang="tr-TR" sz="2200" dirty="0">
                 <a:latin typeface="Times New Roman" panose="02020603050405020304" pitchFamily="18" charset="0"/>
               </a:rPr>
-              <a:t> kurallar ve ilişkili üyelik fonksiyonları şunlardır:</a:t>
+              <a:t>Örnek: Bazı kurallar ve ilişkili üyelik fonksiyonları şunlardır:</a:t>
             </a:r>
           </a:p>
           <a:p>
@@ -31255,7 +31374,13 @@
               <a:rPr lang="tr-TR" sz="2200" dirty="0">
                 <a:latin typeface="Times New Roman" panose="02020603050405020304" pitchFamily="18" charset="0"/>
               </a:rPr>
-              <a:t>Üyelik fonksiyonları, sistem parametrelerini tanımlar. Üyelik fonksiyonlarının sayısına ve şekline ait hiçbir kısıtlama yoktur.  Tamamıyla tasarımcının istek ve tecrübesine bağlıdır. </a:t>
+              <a:t>Üyelik fonksiyonları, sistem parametrelerini tanımlar. </a:t>
+            </a:r>
+            <a:r>
+              <a:rPr lang="tr-TR" sz="2200" b="1" u="sng" dirty="0">
+                <a:latin typeface="Times New Roman" panose="02020603050405020304" pitchFamily="18" charset="0"/>
+              </a:rPr>
+              <a:t>Üyelik fonksiyonlarının sayısına ve şekline ait hiçbir kısıtlama yoktur.  Tamamıyla tasarımcının istek ve tecrübesine bağlıdır. </a:t>
             </a:r>
           </a:p>
           <a:p>
@@ -33139,7 +33264,10 @@
               </a:spcAft>
             </a:pPr>
             <a:r>
-              <a:rPr lang="tr-TR" sz="2200" dirty="0"/>
+              <a:rPr lang="tr-TR" sz="2200" dirty="0">
+                <a:latin typeface="Times New Roman" panose="02020603050405020304" pitchFamily="18" charset="0"/>
+                <a:cs typeface="Times New Roman" panose="02020603050405020304" pitchFamily="18" charset="0"/>
+              </a:rPr>
               <a:t>Bulanık Çıkarım</a:t>
             </a:r>
           </a:p>
@@ -33156,7 +33284,10 @@
               </a:spcAft>
             </a:pPr>
             <a:r>
-              <a:rPr lang="tr-TR" sz="2200" dirty="0"/>
+              <a:rPr lang="tr-TR" sz="2200" dirty="0">
+                <a:latin typeface="Times New Roman" panose="02020603050405020304" pitchFamily="18" charset="0"/>
+                <a:cs typeface="Times New Roman" panose="02020603050405020304" pitchFamily="18" charset="0"/>
+              </a:rPr>
               <a:t>İki-değerli mantık</a:t>
             </a:r>
           </a:p>
@@ -33173,7 +33304,10 @@
               </a:spcAft>
             </a:pPr>
             <a:r>
-              <a:rPr lang="tr-TR" sz="2200" dirty="0"/>
+              <a:rPr lang="tr-TR" sz="2200" dirty="0">
+                <a:latin typeface="Times New Roman" panose="02020603050405020304" pitchFamily="18" charset="0"/>
+                <a:cs typeface="Times New Roman" panose="02020603050405020304" pitchFamily="18" charset="0"/>
+              </a:rPr>
               <a:t>Çoklu-değerli mantık</a:t>
             </a:r>
           </a:p>
@@ -33190,7 +33324,10 @@
               </a:spcAft>
             </a:pPr>
             <a:r>
-              <a:rPr lang="tr-TR" sz="2200" dirty="0"/>
+              <a:rPr lang="tr-TR" sz="2200" dirty="0">
+                <a:latin typeface="Times New Roman" panose="02020603050405020304" pitchFamily="18" charset="0"/>
+                <a:cs typeface="Times New Roman" panose="02020603050405020304" pitchFamily="18" charset="0"/>
+              </a:rPr>
               <a:t>Bulanık mantık</a:t>
             </a:r>
           </a:p>
@@ -33207,7 +33344,10 @@
               </a:spcAft>
             </a:pPr>
             <a:r>
-              <a:rPr lang="tr-TR" sz="2200" dirty="0"/>
+              <a:rPr lang="tr-TR" sz="2200" dirty="0">
+                <a:latin typeface="Times New Roman" panose="02020603050405020304" pitchFamily="18" charset="0"/>
+                <a:cs typeface="Times New Roman" panose="02020603050405020304" pitchFamily="18" charset="0"/>
+              </a:rPr>
               <a:t>Sözel değişkenler</a:t>
             </a:r>
           </a:p>
@@ -33224,7 +33364,10 @@
               </a:spcAft>
             </a:pPr>
             <a:r>
-              <a:rPr lang="tr-TR" sz="2200" dirty="0"/>
+              <a:rPr lang="tr-TR" sz="2200" dirty="0">
+                <a:latin typeface="Times New Roman" panose="02020603050405020304" pitchFamily="18" charset="0"/>
+                <a:cs typeface="Times New Roman" panose="02020603050405020304" pitchFamily="18" charset="0"/>
+              </a:rPr>
               <a:t>Bulanık kurallar</a:t>
             </a:r>
           </a:p>
@@ -33241,7 +33384,10 @@
               </a:spcAft>
             </a:pPr>
             <a:r>
-              <a:rPr lang="tr-TR" sz="2200" dirty="0"/>
+              <a:rPr lang="tr-TR" sz="2200" dirty="0">
+                <a:latin typeface="Times New Roman" panose="02020603050405020304" pitchFamily="18" charset="0"/>
+                <a:cs typeface="Times New Roman" panose="02020603050405020304" pitchFamily="18" charset="0"/>
+              </a:rPr>
               <a:t>Bulanık çıkarım</a:t>
             </a:r>
           </a:p>
@@ -33258,7 +33404,10 @@
               </a:spcAft>
             </a:pPr>
             <a:r>
-              <a:rPr lang="tr-TR" sz="2200" dirty="0"/>
+              <a:rPr lang="tr-TR" sz="2200" dirty="0">
+                <a:latin typeface="Times New Roman" panose="02020603050405020304" pitchFamily="18" charset="0"/>
+                <a:cs typeface="Times New Roman" panose="02020603050405020304" pitchFamily="18" charset="0"/>
+              </a:rPr>
               <a:t>Bulanık muhakeme</a:t>
             </a:r>
           </a:p>
@@ -33275,7 +33424,10 @@
               </a:spcAft>
             </a:pPr>
             <a:r>
-              <a:rPr lang="tr-TR" sz="2200" dirty="0"/>
+              <a:rPr lang="tr-TR" sz="2200" dirty="0">
+                <a:latin typeface="Times New Roman" panose="02020603050405020304" pitchFamily="18" charset="0"/>
+                <a:cs typeface="Times New Roman" panose="02020603050405020304" pitchFamily="18" charset="0"/>
+              </a:rPr>
               <a:t>Bulanık mantık denetimi</a:t>
             </a:r>
           </a:p>
@@ -33292,7 +33444,10 @@
               </a:spcAft>
             </a:pPr>
             <a:r>
-              <a:rPr lang="tr-TR" sz="2200" dirty="0"/>
+              <a:rPr lang="tr-TR" sz="2200" dirty="0">
+                <a:latin typeface="Times New Roman" panose="02020603050405020304" pitchFamily="18" charset="0"/>
+                <a:cs typeface="Times New Roman" panose="02020603050405020304" pitchFamily="18" charset="0"/>
+              </a:rPr>
               <a:t>Bölüm 2’nin özeti</a:t>
             </a:r>
           </a:p>
@@ -34245,6 +34400,36 @@
           </a:prstGeom>
         </p:spPr>
       </p:pic>
+      <p:pic>
+        <p:nvPicPr>
+          <p:cNvPr id="6" name="Resim 5">
+            <a:extLst>
+              <a:ext uri="{FF2B5EF4-FFF2-40B4-BE49-F238E27FC236}">
+                <a16:creationId xmlns:a16="http://schemas.microsoft.com/office/drawing/2014/main" id="{7CF9C4BD-283D-EAB5-DC79-2322E702E974}"/>
+              </a:ext>
+            </a:extLst>
+          </p:cNvPr>
+          <p:cNvPicPr>
+            <a:picLocks noChangeAspect="1"/>
+          </p:cNvPicPr>
+          <p:nvPr/>
+        </p:nvPicPr>
+        <p:blipFill>
+          <a:blip r:embed="rId5"/>
+          <a:stretch>
+            <a:fillRect/>
+          </a:stretch>
+        </p:blipFill>
+        <p:spPr>
+          <a:xfrm>
+            <a:off x="5694852" y="4735536"/>
+            <a:ext cx="252000" cy="252000"/>
+          </a:xfrm>
+          <a:prstGeom prst="rect">
+            <a:avLst/>
+          </a:prstGeom>
+        </p:spPr>
+      </p:pic>
     </p:spTree>
     <p:extLst>
       <p:ext uri="{BB962C8B-B14F-4D97-AF65-F5344CB8AC3E}">
@@ -34484,7 +34669,7 @@
         </p:blipFill>
         <p:spPr>
           <a:xfrm>
-            <a:off x="5793286" y="4135106"/>
+            <a:off x="5605395" y="4054912"/>
             <a:ext cx="3726000" cy="2484000"/>
           </a:xfrm>
           <a:prstGeom prst="rect">
@@ -34644,7 +34829,7 @@
               <a:rPr lang="tr-TR" sz="2200" b="1" dirty="0">
                 <a:latin typeface="Times New Roman" panose="02020603050405020304" pitchFamily="18" charset="0"/>
               </a:rPr>
-              <a:t>Ödev:</a:t>
+              <a:t>Ödev-3: (Odev3.py)</a:t>
             </a:r>
           </a:p>
           <a:p>
@@ -36015,7 +36200,10 @@
               </a:spcAft>
             </a:pPr>
             <a:r>
-              <a:rPr lang="tr-TR" sz="2200" dirty="0"/>
+              <a:rPr lang="tr-TR" sz="2200" dirty="0">
+                <a:latin typeface="Times New Roman" panose="02020603050405020304" pitchFamily="18" charset="0"/>
+                <a:cs typeface="Times New Roman" panose="02020603050405020304" pitchFamily="18" charset="0"/>
+              </a:rPr>
               <a:t>Bulanık küme nedir?</a:t>
             </a:r>
           </a:p>
@@ -36032,7 +36220,10 @@
               </a:spcAft>
             </a:pPr>
             <a:r>
-              <a:rPr lang="tr-TR" sz="2200" dirty="0"/>
+              <a:rPr lang="tr-TR" sz="2200" dirty="0">
+                <a:latin typeface="Times New Roman" panose="02020603050405020304" pitchFamily="18" charset="0"/>
+                <a:cs typeface="Times New Roman" panose="02020603050405020304" pitchFamily="18" charset="0"/>
+              </a:rPr>
               <a:t>Niçin bulanık küme?</a:t>
             </a:r>
           </a:p>
@@ -36049,7 +36240,10 @@
               </a:spcAft>
             </a:pPr>
             <a:r>
-              <a:rPr lang="tr-TR" sz="2200" dirty="0"/>
+              <a:rPr lang="tr-TR" sz="2200" dirty="0">
+                <a:latin typeface="Times New Roman" panose="02020603050405020304" pitchFamily="18" charset="0"/>
+                <a:cs typeface="Times New Roman" panose="02020603050405020304" pitchFamily="18" charset="0"/>
+              </a:rPr>
               <a:t>Bulanık küme ile keskin küme arasında ne fark vardır?</a:t>
             </a:r>
           </a:p>
@@ -36066,7 +36260,10 @@
               </a:spcAft>
             </a:pPr>
             <a:r>
-              <a:rPr lang="tr-TR" sz="2200" dirty="0"/>
+              <a:rPr lang="tr-TR" sz="2200" dirty="0">
+                <a:latin typeface="Times New Roman" panose="02020603050405020304" pitchFamily="18" charset="0"/>
+                <a:cs typeface="Times New Roman" panose="02020603050405020304" pitchFamily="18" charset="0"/>
+              </a:rPr>
               <a:t>Bulanık kümelerin özellikleri nelerdir?</a:t>
             </a:r>
           </a:p>
@@ -36083,7 +36280,10 @@
               </a:spcAft>
             </a:pPr>
             <a:r>
-              <a:rPr lang="tr-TR" sz="2200" dirty="0"/>
+              <a:rPr lang="tr-TR" sz="2200" dirty="0">
+                <a:latin typeface="Times New Roman" panose="02020603050405020304" pitchFamily="18" charset="0"/>
+                <a:cs typeface="Times New Roman" panose="02020603050405020304" pitchFamily="18" charset="0"/>
+              </a:rPr>
               <a:t>Bulanık kümelerin gerçek dünya ile ilişkileri?</a:t>
             </a:r>
           </a:p>
@@ -36100,7 +36300,10 @@
               </a:spcAft>
             </a:pPr>
             <a:r>
-              <a:rPr lang="tr-TR" sz="2200" dirty="0"/>
+              <a:rPr lang="tr-TR" sz="2200" dirty="0">
+                <a:latin typeface="Times New Roman" panose="02020603050405020304" pitchFamily="18" charset="0"/>
+                <a:cs typeface="Times New Roman" panose="02020603050405020304" pitchFamily="18" charset="0"/>
+              </a:rPr>
               <a:t>Bir bulanık küme başka bir bulanık küme ile nasıl işleme sokulur __ (bulanık ilişkiler) ?</a:t>
             </a:r>
           </a:p>
@@ -36117,7 +36320,10 @@
               </a:spcAft>
             </a:pPr>
             <a:r>
-              <a:rPr lang="tr-TR" sz="2200" dirty="0"/>
+              <a:rPr lang="tr-TR" sz="2200" dirty="0">
+                <a:latin typeface="Times New Roman" panose="02020603050405020304" pitchFamily="18" charset="0"/>
+                <a:cs typeface="Times New Roman" panose="02020603050405020304" pitchFamily="18" charset="0"/>
+              </a:rPr>
               <a:t>Bulanık kümeler gerçek dünya uygulamalarında nasıl kullanılır?</a:t>
             </a:r>
           </a:p>
@@ -42267,7 +42473,7 @@
               <a:rPr lang="tr-TR" sz="2200" b="1" u="sng" dirty="0">
                 <a:latin typeface="Times New Roman" panose="02020603050405020304" pitchFamily="18" charset="0"/>
               </a:rPr>
-              <a:t>Ödev:</a:t>
+              <a:t>Ödev-4:</a:t>
             </a:r>
             <a:r>
               <a:rPr lang="tr-TR" sz="2200" b="1" dirty="0">
@@ -42562,10 +42768,12 @@
             </a:pPr>
             <a:r>
               <a:rPr lang="tr-TR" sz="2200" dirty="0">
-                <a:latin typeface="Times New Roman" panose="02020603050405020304" pitchFamily="18" charset="0"/>
+                <a:effectLst/>
+                <a:latin typeface="Times New Roman" panose="02020603050405020304" pitchFamily="18" charset="0"/>
+                <a:ea typeface="Calibri" panose="020F0502020204030204" pitchFamily="34" charset="0"/>
                 <a:cs typeface="Times New Roman" panose="02020603050405020304" pitchFamily="18" charset="0"/>
               </a:rPr>
-              <a:t>A keskin kümesi bu kümeye tam üye olan elemanlardan oluşan bir küme olarak tanımlanabilir.</a:t>
+              <a:t>Bulanık kümeler geliştirilmeden önce kümeler tanımlanırken kesin ifadeler kullanılmaktadır. </a:t>
             </a:r>
           </a:p>
           <a:p>
@@ -42587,21 +42795,17 @@
                 <a:ea typeface="Calibri" panose="020F0502020204030204" pitchFamily="34" charset="0"/>
                 <a:cs typeface="Times New Roman" panose="02020603050405020304" pitchFamily="18" charset="0"/>
               </a:rPr>
-              <a:t>Evrendeki her bir eleman ya kümenin içindedir ya da değildir.</a:t>
-            </a:r>
-          </a:p>
-          <a:p>
-            <a:pPr>
-              <a:lnSpc>
-                <a:spcPts val="2300"/>
-              </a:lnSpc>
-              <a:spcBef>
-                <a:spcPts val="0"/>
-              </a:spcBef>
-              <a:spcAft>
-                <a:spcPts val="1200"/>
-              </a:spcAft>
-            </a:pPr>
+              <a:t>X evrensel bir </a:t>
+            </a:r>
+            <a:r>
+              <a:rPr lang="tr-TR" sz="2200">
+                <a:effectLst/>
+                <a:latin typeface="Times New Roman" panose="02020603050405020304" pitchFamily="18" charset="0"/>
+                <a:ea typeface="Calibri" panose="020F0502020204030204" pitchFamily="34" charset="0"/>
+                <a:cs typeface="Times New Roman" panose="02020603050405020304" pitchFamily="18" charset="0"/>
+              </a:rPr>
+              <a:t>küme olduğunda </a:t>
+            </a:r>
             <a:r>
               <a:rPr lang="tr-TR" sz="2200" dirty="0">
                 <a:effectLst/>
@@ -42609,29 +42813,7 @@
                 <a:ea typeface="Calibri" panose="020F0502020204030204" pitchFamily="34" charset="0"/>
                 <a:cs typeface="Times New Roman" panose="02020603050405020304" pitchFamily="18" charset="0"/>
               </a:rPr>
-              <a:t>Bulanık kümeler geliştirilmeden önce kümeler tanımlanırken kesin ifadeler kullanılmaktadır. </a:t>
-            </a:r>
-          </a:p>
-          <a:p>
-            <a:pPr>
-              <a:lnSpc>
-                <a:spcPts val="2300"/>
-              </a:lnSpc>
-              <a:spcBef>
-                <a:spcPts val="0"/>
-              </a:spcBef>
-              <a:spcAft>
-                <a:spcPts val="1200"/>
-              </a:spcAft>
-            </a:pPr>
-            <a:r>
-              <a:rPr lang="tr-TR" sz="2200" dirty="0">
-                <a:effectLst/>
-                <a:latin typeface="Times New Roman" panose="02020603050405020304" pitchFamily="18" charset="0"/>
-                <a:ea typeface="Calibri" panose="020F0502020204030204" pitchFamily="34" charset="0"/>
-                <a:cs typeface="Times New Roman" panose="02020603050405020304" pitchFamily="18" charset="0"/>
-              </a:rPr>
-              <a:t>X evrensel bir küme ve  olduğunda bir  noktası için “ mıdır?” sorusuna kesin yanıtlar verilmektedir. </a:t>
+              <a:t>bir  noktası için “ mıdır?” sorusuna kesin yanıtlar verilmektedir. </a:t>
             </a:r>
           </a:p>
           <a:p>
@@ -43588,19 +43770,7 @@
               <a:rPr lang="tr-TR" sz="2200" dirty="0">
                 <a:latin typeface="Times New Roman" panose="02020603050405020304" pitchFamily="18" charset="0"/>
               </a:rPr>
-              <a:t> </a:t>
-            </a:r>
-            <a:r>
-              <a:rPr lang="tr-TR" sz="2200" dirty="0" err="1">
-                <a:latin typeface="Times New Roman" panose="02020603050405020304" pitchFamily="18" charset="0"/>
-              </a:rPr>
-              <a:t>Ave</a:t>
-            </a:r>
-            <a:r>
-              <a:rPr lang="tr-TR" sz="2200" dirty="0">
-                <a:latin typeface="Times New Roman" panose="02020603050405020304" pitchFamily="18" charset="0"/>
-              </a:rPr>
-              <a:t> B bulanık kümelerinin üyelik fonksiyonu ile bulanık birleşimi, üyelik fonksiyonu aşağıda gösterilen bulanık kümedir:</a:t>
+              <a:t> A ve B bulanık kümelerinin üyelik fonksiyonu ile bulanık birleşimi, üyelik fonksiyonu aşağıda gösterilen bulanık kümedir:</a:t>
             </a:r>
           </a:p>
           <a:p>
@@ -44833,10 +45003,59 @@
       </p:grpSpPr>
       <p:sp>
         <p:nvSpPr>
-          <p:cNvPr id="24" name="Slayt Numarası Yer Tutucusu 23">
-            <a:extLst>
-              <a:ext uri="{FF2B5EF4-FFF2-40B4-BE49-F238E27FC236}">
-                <a16:creationId xmlns:a16="http://schemas.microsoft.com/office/drawing/2014/main" id="{5D838446-B95D-4AB7-B8CA-D5804BB79A11}"/>
+          <p:cNvPr id="4" name="Başlık 3">
+            <a:extLst>
+              <a:ext uri="{FF2B5EF4-FFF2-40B4-BE49-F238E27FC236}">
+                <a16:creationId xmlns:a16="http://schemas.microsoft.com/office/drawing/2014/main" id="{55E27C7C-4B68-4BBC-BF36-8959D8493E4A}"/>
+              </a:ext>
+            </a:extLst>
+          </p:cNvPr>
+          <p:cNvSpPr>
+            <a:spLocks noGrp="1"/>
+          </p:cNvSpPr>
+          <p:nvPr>
+            <p:ph type="title"/>
+          </p:nvPr>
+        </p:nvSpPr>
+        <p:spPr>
+          <a:xfrm>
+            <a:off x="838200" y="294699"/>
+            <a:ext cx="10515600" cy="610821"/>
+          </a:xfrm>
+        </p:spPr>
+        <p:txBody>
+          <a:bodyPr rtlCol="0">
+            <a:noAutofit/>
+          </a:bodyPr>
+          <a:lstStyle/>
+          <a:p>
+            <a:pPr marL="0" lvl="1" indent="0" algn="ctr">
+              <a:lnSpc>
+                <a:spcPts val="2800"/>
+              </a:lnSpc>
+              <a:spcBef>
+                <a:spcPts val="0"/>
+              </a:spcBef>
+              <a:spcAft>
+                <a:spcPts val="600"/>
+              </a:spcAft>
+              <a:buNone/>
+            </a:pPr>
+            <a:r>
+              <a:rPr lang="tr-TR" sz="2800" b="1" dirty="0">
+                <a:latin typeface="Times New Roman" panose="02020603050405020304" pitchFamily="18" charset="0"/>
+              </a:rPr>
+              <a:t>Ödev-5</a:t>
+            </a:r>
+          </a:p>
+        </p:txBody>
+      </p:sp>
+      <p:sp>
+        <p:nvSpPr>
+          <p:cNvPr id="9" name="Slayt Numarası Yer Tutucusu 5">
+            <a:extLst>
+              <a:ext uri="{FF2B5EF4-FFF2-40B4-BE49-F238E27FC236}">
+                <a16:creationId xmlns:a16="http://schemas.microsoft.com/office/drawing/2014/main" id="{4FC290B8-BF94-4636-BFAB-9FD67F4AAC6D}"/>
               </a:ext>
             </a:extLst>
           </p:cNvPr>
@@ -44847,175 +45066,215 @@
             <p:ph type="sldNum" sz="quarter" idx="12"/>
           </p:nvPr>
         </p:nvSpPr>
-        <p:spPr/>
+        <p:spPr>
+          <a:xfrm>
+            <a:off x="8610600" y="6356350"/>
+            <a:ext cx="2743200" cy="365125"/>
+          </a:xfrm>
+        </p:spPr>
         <p:txBody>
           <a:bodyPr rtlCol="0"/>
           <a:lstStyle/>
           <a:p>
             <a:pPr rtl="0"/>
             <a:fld id="{D8DA9DAA-006C-4F4B-980E-E3DF019B24E2}" type="slidenum">
-              <a:rPr lang="tr-TR" smtClean="0"/>
-              <a:pPr rtl="0"/>
+              <a:rPr lang="tr-TR" b="1" cap="all" spc="100" smtClean="0">
+                <a:solidFill>
+                  <a:schemeClr val="accent2"/>
+                </a:solidFill>
+              </a:rPr>
               <a:t>85</a:t>
             </a:fld>
-            <a:endParaRPr lang="tr-TR"/>
-          </a:p>
-        </p:txBody>
-      </p:sp>
-      <p:sp>
-        <p:nvSpPr>
-          <p:cNvPr id="23" name="Alt Bilgi Yer Tutucusu 22">
-            <a:extLst>
-              <a:ext uri="{FF2B5EF4-FFF2-40B4-BE49-F238E27FC236}">
-                <a16:creationId xmlns:a16="http://schemas.microsoft.com/office/drawing/2014/main" id="{DE8D546E-0F46-4CC0-B2B1-8B2430D00C0C}"/>
-              </a:ext>
-            </a:extLst>
-          </p:cNvPr>
-          <p:cNvSpPr>
-            <a:spLocks noGrp="1"/>
-          </p:cNvSpPr>
-          <p:nvPr>
-            <p:ph type="ftr" sz="quarter" idx="11"/>
-          </p:nvPr>
-        </p:nvSpPr>
-        <p:spPr/>
-        <p:txBody>
-          <a:bodyPr rtlCol="0"/>
-          <a:lstStyle/>
-          <a:p>
-            <a:pPr rtl="0"/>
-            <a:r>
-              <a:rPr lang="tr-TR" dirty="0"/>
-              <a:t>Bulanık Mantık</a:t>
-            </a:r>
+            <a:endParaRPr lang="tr-TR" b="1" cap="all" spc="100" dirty="0">
+              <a:solidFill>
+                <a:schemeClr val="accent2"/>
+              </a:solidFill>
+            </a:endParaRPr>
+          </a:p>
+        </p:txBody>
+      </p:sp>
+      <p:sp>
+        <p:nvSpPr>
+          <p:cNvPr id="7" name="İçerik Yer Tutucusu 6">
+            <a:extLst>
+              <a:ext uri="{FF2B5EF4-FFF2-40B4-BE49-F238E27FC236}">
+                <a16:creationId xmlns:a16="http://schemas.microsoft.com/office/drawing/2014/main" id="{93522BE1-E6EE-F54D-32F4-40BA2DCC5EEB}"/>
+              </a:ext>
+            </a:extLst>
+          </p:cNvPr>
+          <p:cNvSpPr>
+            <a:spLocks noGrp="1"/>
+          </p:cNvSpPr>
+          <p:nvPr>
+            <p:ph idx="1"/>
+          </p:nvPr>
+        </p:nvSpPr>
+        <p:spPr>
+          <a:xfrm>
+            <a:off x="838200" y="905520"/>
+            <a:ext cx="5632938" cy="5633392"/>
+          </a:xfrm>
+        </p:spPr>
+        <p:txBody>
+          <a:bodyPr>
+            <a:normAutofit/>
+          </a:bodyPr>
+          <a:lstStyle/>
+          <a:p>
+            <a:r>
+              <a:rPr lang="tr-TR" sz="2000" b="1" dirty="0">
+                <a:latin typeface="Times New Roman" panose="02020603050405020304" pitchFamily="18" charset="0"/>
+                <a:cs typeface="Times New Roman" panose="02020603050405020304" pitchFamily="18" charset="0"/>
+              </a:rPr>
+              <a:t>Girişler: Sıcaklık</a:t>
+            </a:r>
+          </a:p>
+          <a:p>
+            <a:r>
+              <a:rPr lang="tr-TR" sz="2000" b="1" dirty="0">
+                <a:latin typeface="Times New Roman" panose="02020603050405020304" pitchFamily="18" charset="0"/>
+                <a:cs typeface="Times New Roman" panose="02020603050405020304" pitchFamily="18" charset="0"/>
+              </a:rPr>
+              <a:t>Evrensel Küme: </a:t>
+            </a:r>
+            <a:r>
+              <a:rPr lang="tr-TR" sz="2000" b="1" dirty="0" err="1">
+                <a:latin typeface="Times New Roman" panose="02020603050405020304" pitchFamily="18" charset="0"/>
+                <a:cs typeface="Times New Roman" panose="02020603050405020304" pitchFamily="18" charset="0"/>
+              </a:rPr>
+              <a:t>np.arange</a:t>
+            </a:r>
+            <a:r>
+              <a:rPr lang="tr-TR" sz="2000" b="1" dirty="0">
+                <a:latin typeface="Times New Roman" panose="02020603050405020304" pitchFamily="18" charset="0"/>
+                <a:cs typeface="Times New Roman" panose="02020603050405020304" pitchFamily="18" charset="0"/>
+              </a:rPr>
+              <a:t>(20,81,1)</a:t>
+            </a:r>
+          </a:p>
+          <a:p>
+            <a:r>
+              <a:rPr lang="tr-TR" sz="2000" b="1" dirty="0" err="1">
+                <a:latin typeface="Times New Roman" panose="02020603050405020304" pitchFamily="18" charset="0"/>
+                <a:cs typeface="Times New Roman" panose="02020603050405020304" pitchFamily="18" charset="0"/>
+              </a:rPr>
+              <a:t>Low</a:t>
+            </a:r>
+            <a:r>
+              <a:rPr lang="tr-TR" sz="2000" b="1" dirty="0">
+                <a:latin typeface="Times New Roman" panose="02020603050405020304" pitchFamily="18" charset="0"/>
+                <a:cs typeface="Times New Roman" panose="02020603050405020304" pitchFamily="18" charset="0"/>
+              </a:rPr>
+              <a:t>:[20,25,35,40]</a:t>
+            </a:r>
+          </a:p>
+          <a:p>
+            <a:r>
+              <a:rPr lang="tr-TR" sz="2000" b="1" dirty="0" err="1">
+                <a:latin typeface="Times New Roman" panose="02020603050405020304" pitchFamily="18" charset="0"/>
+                <a:cs typeface="Times New Roman" panose="02020603050405020304" pitchFamily="18" charset="0"/>
+              </a:rPr>
+              <a:t>Medium</a:t>
+            </a:r>
+            <a:r>
+              <a:rPr lang="tr-TR" sz="2000" b="1" dirty="0">
+                <a:latin typeface="Times New Roman" panose="02020603050405020304" pitchFamily="18" charset="0"/>
+                <a:cs typeface="Times New Roman" panose="02020603050405020304" pitchFamily="18" charset="0"/>
+              </a:rPr>
+              <a:t>:[30,42,55,80]</a:t>
+            </a:r>
+          </a:p>
+          <a:p>
+            <a:pPr algn="just"/>
+            <a:r>
+              <a:rPr lang="tr-TR" sz="2000" dirty="0">
+                <a:latin typeface="Times New Roman" panose="02020603050405020304" pitchFamily="18" charset="0"/>
+                <a:cs typeface="Times New Roman" panose="02020603050405020304" pitchFamily="18" charset="0"/>
+              </a:rPr>
+              <a:t>Yukarıdaki bilgilere göre </a:t>
+            </a:r>
+            <a:r>
+              <a:rPr lang="tr-TR" sz="2000" dirty="0" err="1">
+                <a:latin typeface="Times New Roman" panose="02020603050405020304" pitchFamily="18" charset="0"/>
+                <a:cs typeface="Times New Roman" panose="02020603050405020304" pitchFamily="18" charset="0"/>
+              </a:rPr>
+              <a:t>Low</a:t>
+            </a:r>
+            <a:r>
+              <a:rPr lang="tr-TR" sz="2000" dirty="0">
+                <a:latin typeface="Times New Roman" panose="02020603050405020304" pitchFamily="18" charset="0"/>
+                <a:cs typeface="Times New Roman" panose="02020603050405020304" pitchFamily="18" charset="0"/>
+              </a:rPr>
+              <a:t> ve </a:t>
+            </a:r>
+            <a:r>
+              <a:rPr lang="tr-TR" sz="2000" dirty="0" err="1">
+                <a:latin typeface="Times New Roman" panose="02020603050405020304" pitchFamily="18" charset="0"/>
+                <a:cs typeface="Times New Roman" panose="02020603050405020304" pitchFamily="18" charset="0"/>
+              </a:rPr>
+              <a:t>Med</a:t>
+            </a:r>
+            <a:r>
+              <a:rPr lang="tr-TR" sz="2000" dirty="0">
+                <a:latin typeface="Times New Roman" panose="02020603050405020304" pitchFamily="18" charset="0"/>
+                <a:cs typeface="Times New Roman" panose="02020603050405020304" pitchFamily="18" charset="0"/>
+              </a:rPr>
+              <a:t> bulanık kümelerinin Birleşimini ve kesişimini tüm t-norm ve s-norm yöntemlerine göre hesaplayıp görselleştiren Python programını yazın. Bu ödev cevabı öğrencilerle paylaşılmayacaktır. Her öğrenci kendisi yapacaktır.</a:t>
+            </a:r>
+          </a:p>
+          <a:p>
+            <a:pPr marL="0" lvl="1" indent="0" algn="ctr">
+              <a:lnSpc>
+                <a:spcPts val="2800"/>
+              </a:lnSpc>
+              <a:spcBef>
+                <a:spcPts val="0"/>
+              </a:spcBef>
+              <a:spcAft>
+                <a:spcPts val="600"/>
+              </a:spcAft>
+              <a:buNone/>
+            </a:pPr>
+            <a:endParaRPr lang="tr-TR" sz="2200" b="1" dirty="0">
+              <a:latin typeface="Times New Roman" panose="02020603050405020304" pitchFamily="18" charset="0"/>
+            </a:endParaRPr>
           </a:p>
         </p:txBody>
       </p:sp>
       <p:pic>
         <p:nvPicPr>
-          <p:cNvPr id="9" name="Resim Yer Tutucusu 8" descr="gün batımı sırasında dağlar">
-            <a:extLst>
-              <a:ext uri="{FF2B5EF4-FFF2-40B4-BE49-F238E27FC236}">
-                <a16:creationId xmlns:a16="http://schemas.microsoft.com/office/drawing/2014/main" id="{C82DA925-978C-48A9-98AD-0653B7A3D2D9}"/>
+          <p:cNvPr id="10" name="Resim 9">
+            <a:extLst>
+              <a:ext uri="{FF2B5EF4-FFF2-40B4-BE49-F238E27FC236}">
+                <a16:creationId xmlns:a16="http://schemas.microsoft.com/office/drawing/2014/main" id="{B71D06C4-E5A4-DB2E-A34A-AD4051CD0EE5}"/>
               </a:ext>
             </a:extLst>
           </p:cNvPr>
           <p:cNvPicPr>
-            <a:picLocks noGrp="1" noChangeAspect="1"/>
+            <a:picLocks noChangeAspect="1"/>
           </p:cNvPicPr>
-          <p:nvPr>
-            <p:ph type="pic" sz="quarter" idx="14"/>
-          </p:nvPr>
+          <p:nvPr/>
         </p:nvPicPr>
-        <p:blipFill rotWithShape="1">
+        <p:blipFill>
           <a:blip r:embed="rId3"/>
-          <a:srcRect t="41" b="41"/>
-          <a:stretch/>
+          <a:stretch>
+            <a:fillRect/>
+          </a:stretch>
         </p:blipFill>
-        <p:spPr/>
-      </p:pic>
-      <p:pic>
-        <p:nvPicPr>
-          <p:cNvPr id="11" name="Resim Yer Tutucusu 10" descr="gün batımı sırasında dağlar">
-            <a:extLst>
-              <a:ext uri="{FF2B5EF4-FFF2-40B4-BE49-F238E27FC236}">
-                <a16:creationId xmlns:a16="http://schemas.microsoft.com/office/drawing/2014/main" id="{E63B7C3F-04A4-43F6-881D-FA11061CBAFA}"/>
-              </a:ext>
-            </a:extLst>
-          </p:cNvPr>
-          <p:cNvPicPr>
-            <a:picLocks noGrp="1" noChangeAspect="1"/>
-          </p:cNvPicPr>
-          <p:nvPr>
-            <p:ph type="pic" sz="quarter" idx="15"/>
-          </p:nvPr>
-        </p:nvPicPr>
-        <p:blipFill rotWithShape="1">
-          <a:blip r:embed="rId4"/>
-          <a:srcRect t="347" b="347"/>
-          <a:stretch/>
-        </p:blipFill>
-        <p:spPr/>
-      </p:pic>
-      <p:sp>
-        <p:nvSpPr>
-          <p:cNvPr id="6" name="Başlık 5">
-            <a:extLst>
-              <a:ext uri="{FF2B5EF4-FFF2-40B4-BE49-F238E27FC236}">
-                <a16:creationId xmlns:a16="http://schemas.microsoft.com/office/drawing/2014/main" id="{FF777B66-94CB-491C-AC6B-BDAC98E21D57}"/>
-              </a:ext>
-            </a:extLst>
-          </p:cNvPr>
-          <p:cNvSpPr>
-            <a:spLocks noGrp="1"/>
-          </p:cNvSpPr>
-          <p:nvPr>
-            <p:ph type="title"/>
-          </p:nvPr>
-        </p:nvSpPr>
-        <p:spPr/>
-        <p:txBody>
-          <a:bodyPr rtlCol="0"/>
-          <a:lstStyle/>
-          <a:p>
-            <a:pPr rtl="0"/>
-            <a:r>
-              <a:rPr lang="tr-TR" dirty="0"/>
-              <a:t>SORULAR…</a:t>
-            </a:r>
-          </a:p>
-        </p:txBody>
-      </p:sp>
-      <p:pic>
-        <p:nvPicPr>
-          <p:cNvPr id="15" name="Resim Yer Tutucusu 14" descr="alacakaranlık gökyüzünün altındaki dağlar">
-            <a:extLst>
-              <a:ext uri="{FF2B5EF4-FFF2-40B4-BE49-F238E27FC236}">
-                <a16:creationId xmlns:a16="http://schemas.microsoft.com/office/drawing/2014/main" id="{3D15FDC1-74B5-4FD8-BD17-0E2502C411A6}"/>
-              </a:ext>
-            </a:extLst>
-          </p:cNvPr>
-          <p:cNvPicPr>
-            <a:picLocks noGrp="1" noChangeAspect="1"/>
-          </p:cNvPicPr>
-          <p:nvPr>
-            <p:ph type="pic" sz="quarter" idx="17"/>
-          </p:nvPr>
-        </p:nvPicPr>
-        <p:blipFill rotWithShape="1">
-          <a:blip r:embed="rId5"/>
-          <a:srcRect l="16" r="16"/>
-          <a:stretch/>
-        </p:blipFill>
-        <p:spPr/>
-      </p:pic>
-      <p:pic>
-        <p:nvPicPr>
-          <p:cNvPr id="13" name="Resim Yer Tutucusu 12" descr="şafaktan hemen önce, karanlık gökyüzünün altındaki dağlar">
-            <a:extLst>
-              <a:ext uri="{FF2B5EF4-FFF2-40B4-BE49-F238E27FC236}">
-                <a16:creationId xmlns:a16="http://schemas.microsoft.com/office/drawing/2014/main" id="{E02C4914-F076-4415-9C5D-A9BDB6CC6110}"/>
-              </a:ext>
-            </a:extLst>
-          </p:cNvPr>
-          <p:cNvPicPr>
-            <a:picLocks noGrp="1" noChangeAspect="1"/>
-          </p:cNvPicPr>
-          <p:nvPr>
-            <p:ph type="pic" sz="quarter" idx="16"/>
-          </p:nvPr>
-        </p:nvPicPr>
-        <p:blipFill rotWithShape="1">
-          <a:blip r:embed="rId6"/>
-          <a:srcRect t="108" b="108"/>
-          <a:stretch/>
-        </p:blipFill>
-        <p:spPr/>
+        <p:spPr>
+          <a:xfrm>
+            <a:off x="6550136" y="1334836"/>
+            <a:ext cx="5422588" cy="3651947"/>
+          </a:xfrm>
+          <a:prstGeom prst="rect">
+            <a:avLst/>
+          </a:prstGeom>
+        </p:spPr>
       </p:pic>
     </p:spTree>
     <p:extLst>
       <p:ext uri="{BB962C8B-B14F-4D97-AF65-F5344CB8AC3E}">
-        <p14:creationId xmlns:p14="http://schemas.microsoft.com/office/powerpoint/2010/main" val="927313156"/>
+        <p14:creationId xmlns:p14="http://schemas.microsoft.com/office/powerpoint/2010/main" val="1641901608"/>
       </p:ext>
     </p:extLst>
   </p:cSld>
@@ -45044,6 +45303,217 @@
       </p:grpSpPr>
       <p:sp>
         <p:nvSpPr>
+          <p:cNvPr id="24" name="Slayt Numarası Yer Tutucusu 23">
+            <a:extLst>
+              <a:ext uri="{FF2B5EF4-FFF2-40B4-BE49-F238E27FC236}">
+                <a16:creationId xmlns:a16="http://schemas.microsoft.com/office/drawing/2014/main" id="{5D838446-B95D-4AB7-B8CA-D5804BB79A11}"/>
+              </a:ext>
+            </a:extLst>
+          </p:cNvPr>
+          <p:cNvSpPr>
+            <a:spLocks noGrp="1"/>
+          </p:cNvSpPr>
+          <p:nvPr>
+            <p:ph type="sldNum" sz="quarter" idx="12"/>
+          </p:nvPr>
+        </p:nvSpPr>
+        <p:spPr/>
+        <p:txBody>
+          <a:bodyPr rtlCol="0"/>
+          <a:lstStyle/>
+          <a:p>
+            <a:pPr rtl="0"/>
+            <a:fld id="{D8DA9DAA-006C-4F4B-980E-E3DF019B24E2}" type="slidenum">
+              <a:rPr lang="tr-TR" smtClean="0"/>
+              <a:pPr rtl="0"/>
+              <a:t>86</a:t>
+            </a:fld>
+            <a:endParaRPr lang="tr-TR"/>
+          </a:p>
+        </p:txBody>
+      </p:sp>
+      <p:sp>
+        <p:nvSpPr>
+          <p:cNvPr id="23" name="Alt Bilgi Yer Tutucusu 22">
+            <a:extLst>
+              <a:ext uri="{FF2B5EF4-FFF2-40B4-BE49-F238E27FC236}">
+                <a16:creationId xmlns:a16="http://schemas.microsoft.com/office/drawing/2014/main" id="{DE8D546E-0F46-4CC0-B2B1-8B2430D00C0C}"/>
+              </a:ext>
+            </a:extLst>
+          </p:cNvPr>
+          <p:cNvSpPr>
+            <a:spLocks noGrp="1"/>
+          </p:cNvSpPr>
+          <p:nvPr>
+            <p:ph type="ftr" sz="quarter" idx="11"/>
+          </p:nvPr>
+        </p:nvSpPr>
+        <p:spPr/>
+        <p:txBody>
+          <a:bodyPr rtlCol="0"/>
+          <a:lstStyle/>
+          <a:p>
+            <a:pPr rtl="0"/>
+            <a:r>
+              <a:rPr lang="tr-TR" dirty="0"/>
+              <a:t>Bulanık Mantık</a:t>
+            </a:r>
+          </a:p>
+        </p:txBody>
+      </p:sp>
+      <p:pic>
+        <p:nvPicPr>
+          <p:cNvPr id="9" name="Resim Yer Tutucusu 8" descr="gün batımı sırasında dağlar">
+            <a:extLst>
+              <a:ext uri="{FF2B5EF4-FFF2-40B4-BE49-F238E27FC236}">
+                <a16:creationId xmlns:a16="http://schemas.microsoft.com/office/drawing/2014/main" id="{C82DA925-978C-48A9-98AD-0653B7A3D2D9}"/>
+              </a:ext>
+            </a:extLst>
+          </p:cNvPr>
+          <p:cNvPicPr>
+            <a:picLocks noGrp="1" noChangeAspect="1"/>
+          </p:cNvPicPr>
+          <p:nvPr>
+            <p:ph type="pic" sz="quarter" idx="14"/>
+          </p:nvPr>
+        </p:nvPicPr>
+        <p:blipFill rotWithShape="1">
+          <a:blip r:embed="rId3"/>
+          <a:srcRect t="41" b="41"/>
+          <a:stretch/>
+        </p:blipFill>
+        <p:spPr/>
+      </p:pic>
+      <p:pic>
+        <p:nvPicPr>
+          <p:cNvPr id="11" name="Resim Yer Tutucusu 10" descr="gün batımı sırasında dağlar">
+            <a:extLst>
+              <a:ext uri="{FF2B5EF4-FFF2-40B4-BE49-F238E27FC236}">
+                <a16:creationId xmlns:a16="http://schemas.microsoft.com/office/drawing/2014/main" id="{E63B7C3F-04A4-43F6-881D-FA11061CBAFA}"/>
+              </a:ext>
+            </a:extLst>
+          </p:cNvPr>
+          <p:cNvPicPr>
+            <a:picLocks noGrp="1" noChangeAspect="1"/>
+          </p:cNvPicPr>
+          <p:nvPr>
+            <p:ph type="pic" sz="quarter" idx="15"/>
+          </p:nvPr>
+        </p:nvPicPr>
+        <p:blipFill rotWithShape="1">
+          <a:blip r:embed="rId4"/>
+          <a:srcRect t="347" b="347"/>
+          <a:stretch/>
+        </p:blipFill>
+        <p:spPr/>
+      </p:pic>
+      <p:sp>
+        <p:nvSpPr>
+          <p:cNvPr id="6" name="Başlık 5">
+            <a:extLst>
+              <a:ext uri="{FF2B5EF4-FFF2-40B4-BE49-F238E27FC236}">
+                <a16:creationId xmlns:a16="http://schemas.microsoft.com/office/drawing/2014/main" id="{FF777B66-94CB-491C-AC6B-BDAC98E21D57}"/>
+              </a:ext>
+            </a:extLst>
+          </p:cNvPr>
+          <p:cNvSpPr>
+            <a:spLocks noGrp="1"/>
+          </p:cNvSpPr>
+          <p:nvPr>
+            <p:ph type="title"/>
+          </p:nvPr>
+        </p:nvSpPr>
+        <p:spPr/>
+        <p:txBody>
+          <a:bodyPr rtlCol="0"/>
+          <a:lstStyle/>
+          <a:p>
+            <a:pPr rtl="0"/>
+            <a:r>
+              <a:rPr lang="tr-TR" dirty="0"/>
+              <a:t>SORULAR…</a:t>
+            </a:r>
+          </a:p>
+        </p:txBody>
+      </p:sp>
+      <p:pic>
+        <p:nvPicPr>
+          <p:cNvPr id="15" name="Resim Yer Tutucusu 14" descr="alacakaranlık gökyüzünün altındaki dağlar">
+            <a:extLst>
+              <a:ext uri="{FF2B5EF4-FFF2-40B4-BE49-F238E27FC236}">
+                <a16:creationId xmlns:a16="http://schemas.microsoft.com/office/drawing/2014/main" id="{3D15FDC1-74B5-4FD8-BD17-0E2502C411A6}"/>
+              </a:ext>
+            </a:extLst>
+          </p:cNvPr>
+          <p:cNvPicPr>
+            <a:picLocks noGrp="1" noChangeAspect="1"/>
+          </p:cNvPicPr>
+          <p:nvPr>
+            <p:ph type="pic" sz="quarter" idx="17"/>
+          </p:nvPr>
+        </p:nvPicPr>
+        <p:blipFill rotWithShape="1">
+          <a:blip r:embed="rId5"/>
+          <a:srcRect l="16" r="16"/>
+          <a:stretch/>
+        </p:blipFill>
+        <p:spPr/>
+      </p:pic>
+      <p:pic>
+        <p:nvPicPr>
+          <p:cNvPr id="13" name="Resim Yer Tutucusu 12" descr="şafaktan hemen önce, karanlık gökyüzünün altındaki dağlar">
+            <a:extLst>
+              <a:ext uri="{FF2B5EF4-FFF2-40B4-BE49-F238E27FC236}">
+                <a16:creationId xmlns:a16="http://schemas.microsoft.com/office/drawing/2014/main" id="{E02C4914-F076-4415-9C5D-A9BDB6CC6110}"/>
+              </a:ext>
+            </a:extLst>
+          </p:cNvPr>
+          <p:cNvPicPr>
+            <a:picLocks noGrp="1" noChangeAspect="1"/>
+          </p:cNvPicPr>
+          <p:nvPr>
+            <p:ph type="pic" sz="quarter" idx="16"/>
+          </p:nvPr>
+        </p:nvPicPr>
+        <p:blipFill rotWithShape="1">
+          <a:blip r:embed="rId6"/>
+          <a:srcRect t="108" b="108"/>
+          <a:stretch/>
+        </p:blipFill>
+        <p:spPr/>
+      </p:pic>
+    </p:spTree>
+    <p:extLst>
+      <p:ext uri="{BB962C8B-B14F-4D97-AF65-F5344CB8AC3E}">
+        <p14:creationId xmlns:p14="http://schemas.microsoft.com/office/powerpoint/2010/main" val="927313156"/>
+      </p:ext>
+    </p:extLst>
+  </p:cSld>
+  <p:clrMapOvr>
+    <a:masterClrMapping/>
+  </p:clrMapOvr>
+</p:sld>
+</file>
+
+<file path=ppt/slides/slide87.xml><?xml version="1.0" encoding="utf-8"?>
+<p:sld xmlns:a="http://schemas.openxmlformats.org/drawingml/2006/main" xmlns:r="http://schemas.openxmlformats.org/officeDocument/2006/relationships" xmlns:p="http://schemas.openxmlformats.org/presentationml/2006/main">
+  <p:cSld>
+    <p:spTree>
+      <p:nvGrpSpPr>
+        <p:cNvPr id="1" name=""/>
+        <p:cNvGrpSpPr/>
+        <p:nvPr/>
+      </p:nvGrpSpPr>
+      <p:grpSpPr>
+        <a:xfrm>
+          <a:off x="0" y="0"/>
+          <a:ext cx="0" cy="0"/>
+          <a:chOff x="0" y="0"/>
+          <a:chExt cx="0" cy="0"/>
+        </a:xfrm>
+      </p:grpSpPr>
+      <p:sp>
+        <p:nvSpPr>
           <p:cNvPr id="4" name="Başlık 3">
             <a:extLst>
               <a:ext uri="{FF2B5EF4-FFF2-40B4-BE49-F238E27FC236}">
@@ -45111,7 +45581,7 @@
                   <a:schemeClr val="accent2"/>
                 </a:solidFill>
               </a:rPr>
-              <a:t>86</a:t>
+              <a:t>87</a:t>
             </a:fld>
             <a:endParaRPr lang="tr-TR" b="1" cap="all" spc="100" dirty="0">
               <a:solidFill>
@@ -46593,6 +47063,24 @@
 </file>
 
 <file path=customXml/item1.xml><?xml version="1.0" encoding="utf-8"?>
+<p:properties xmlns:p="http://schemas.microsoft.com/office/2006/metadata/properties" xmlns:xsi="http://www.w3.org/2001/XMLSchema-instance" xmlns:pc="http://schemas.microsoft.com/office/infopath/2007/PartnerControls">
+  <documentManagement>
+    <Status xmlns="71af3243-3dd4-4a8d-8c0d-dd76da1f02a5">Not started</Status>
+    <MediaServiceKeyPoints xmlns="71af3243-3dd4-4a8d-8c0d-dd76da1f02a5" xsi:nil="true"/>
+  </documentManagement>
+</p:properties>
+</file>
+
+<file path=customXml/item2.xml><?xml version="1.0" encoding="utf-8"?>
+<?mso-contentType ?>
+<FormTemplates xmlns="http://schemas.microsoft.com/sharepoint/v3/contenttype/forms">
+  <Display>DocumentLibraryForm</Display>
+  <Edit>DocumentLibraryForm</Edit>
+  <New>DocumentLibraryForm</New>
+</FormTemplates>
+</file>
+
+<file path=customXml/item3.xml><?xml version="1.0" encoding="utf-8"?>
 <ct:contentTypeSchema xmlns:ct="http://schemas.microsoft.com/office/2006/metadata/contentType" xmlns:ma="http://schemas.microsoft.com/office/2006/metadata/properties/metaAttributes" ct:_="" ma:_="" ma:contentTypeName="Document" ma:contentTypeID="0x01010079F111ED35F8CC479449609E8A0923A6" ma:contentTypeVersion="12" ma:contentTypeDescription="Create a new document." ma:contentTypeScope="" ma:versionID="426e97fa315356fffbdcd9876fe988c2">
   <xsd:schema xmlns:xsd="http://www.w3.org/2001/XMLSchema" xmlns:xs="http://www.w3.org/2001/XMLSchema" xmlns:p="http://schemas.microsoft.com/office/2006/metadata/properties" xmlns:ns2="71af3243-3dd4-4a8d-8c0d-dd76da1f02a5" xmlns:ns3="16c05727-aa75-4e4a-9b5f-8a80a1165891" targetNamespace="http://schemas.microsoft.com/office/2006/metadata/properties" ma:root="true" ma:fieldsID="14b8f0def80e6d70ce3def20c90759ae" ns2:_="" ns3:_="">
     <xsd:import namespace="71af3243-3dd4-4a8d-8c0d-dd76da1f02a5"/>
@@ -46813,25 +47301,25 @@
 </ct:contentTypeSchema>
 </file>
 
-<file path=customXml/item2.xml><?xml version="1.0" encoding="utf-8"?>
-<p:properties xmlns:p="http://schemas.microsoft.com/office/2006/metadata/properties" xmlns:xsi="http://www.w3.org/2001/XMLSchema-instance" xmlns:pc="http://schemas.microsoft.com/office/infopath/2007/PartnerControls">
-  <documentManagement>
-    <Status xmlns="71af3243-3dd4-4a8d-8c0d-dd76da1f02a5">Not started</Status>
-    <MediaServiceKeyPoints xmlns="71af3243-3dd4-4a8d-8c0d-dd76da1f02a5" xsi:nil="true"/>
-  </documentManagement>
-</p:properties>
+<file path=customXml/itemProps1.xml><?xml version="1.0" encoding="utf-8"?>
+<ds:datastoreItem xmlns:ds="http://schemas.openxmlformats.org/officeDocument/2006/customXml" ds:itemID="{99919F73-B6C2-4A43-95E2-833EC48925FE}">
+  <ds:schemaRefs>
+    <ds:schemaRef ds:uri="http://schemas.microsoft.com/office/2006/metadata/properties"/>
+    <ds:schemaRef ds:uri="http://schemas.microsoft.com/office/infopath/2007/PartnerControls"/>
+    <ds:schemaRef ds:uri="71af3243-3dd4-4a8d-8c0d-dd76da1f02a5"/>
+  </ds:schemaRefs>
+</ds:datastoreItem>
 </file>
 
-<file path=customXml/item3.xml><?xml version="1.0" encoding="utf-8"?>
-<?mso-contentType ?>
-<FormTemplates xmlns="http://schemas.microsoft.com/sharepoint/v3/contenttype/forms">
-  <Display>DocumentLibraryForm</Display>
-  <Edit>DocumentLibraryForm</Edit>
-  <New>DocumentLibraryForm</New>
-</FormTemplates>
+<file path=customXml/itemProps2.xml><?xml version="1.0" encoding="utf-8"?>
+<ds:datastoreItem xmlns:ds="http://schemas.openxmlformats.org/officeDocument/2006/customXml" ds:itemID="{3C8E00D1-8EA3-4E42-801D-0253E1EAFC21}">
+  <ds:schemaRefs>
+    <ds:schemaRef ds:uri="http://schemas.microsoft.com/sharepoint/v3/contenttype/forms"/>
+  </ds:schemaRefs>
+</ds:datastoreItem>
 </file>
 
-<file path=customXml/itemProps1.xml><?xml version="1.0" encoding="utf-8"?>
+<file path=customXml/itemProps3.xml><?xml version="1.0" encoding="utf-8"?>
 <ds:datastoreItem xmlns:ds="http://schemas.openxmlformats.org/officeDocument/2006/customXml" ds:itemID="{ABC329F5-30EE-4BF7-AA2A-B837B51416B4}">
   <ds:schemaRefs>
     <ds:schemaRef ds:uri="http://schemas.microsoft.com/office/2006/metadata/contentType"/>
@@ -46848,22 +47336,4 @@
     <ds:schemaRef ds:uri="http://schemas.microsoft.com/internal/obd"/>
   </ds:schemaRefs>
 </ds:datastoreItem>
-</file>
-
-<file path=customXml/itemProps2.xml><?xml version="1.0" encoding="utf-8"?>
-<ds:datastoreItem xmlns:ds="http://schemas.openxmlformats.org/officeDocument/2006/customXml" ds:itemID="{99919F73-B6C2-4A43-95E2-833EC48925FE}">
-  <ds:schemaRefs>
-    <ds:schemaRef ds:uri="http://schemas.microsoft.com/office/2006/metadata/properties"/>
-    <ds:schemaRef ds:uri="http://schemas.microsoft.com/office/infopath/2007/PartnerControls"/>
-    <ds:schemaRef ds:uri="71af3243-3dd4-4a8d-8c0d-dd76da1f02a5"/>
-  </ds:schemaRefs>
-</ds:datastoreItem>
-</file>
-
-<file path=customXml/itemProps3.xml><?xml version="1.0" encoding="utf-8"?>
-<ds:datastoreItem xmlns:ds="http://schemas.openxmlformats.org/officeDocument/2006/customXml" ds:itemID="{3C8E00D1-8EA3-4E42-801D-0253E1EAFC21}">
-  <ds:schemaRefs>
-    <ds:schemaRef ds:uri="http://schemas.microsoft.com/sharepoint/v3/contenttype/forms"/>
-  </ds:schemaRefs>
-</ds:datastoreItem>
 </file>
--- a/Hafta-2.pptx
+++ b/Hafta-2.pptx
@@ -323,7 +323,7 @@
           <a:p>
             <a:fld id="{AF536ADF-3EC2-4D6F-9F7F-1F88E3288139}" type="datetime1">
               <a:rPr lang="tr-TR" smtClean="0"/>
-              <a:t>12.10.2022</a:t>
+              <a:t>20.10.2022</a:t>
             </a:fld>
             <a:endParaRPr lang="tr-TR"/>
           </a:p>
@@ -503,7 +503,7 @@
             <a:pPr rtl="0"/>
             <a:fld id="{BA214D3A-912A-4866-90B4-0232CEDB2416}" type="datetime1">
               <a:rPr lang="tr-TR" noProof="0" smtClean="0"/>
-              <a:t>12.10.2022</a:t>
+              <a:t>20.10.2022</a:t>
             </a:fld>
             <a:endParaRPr lang="tr-TR" noProof="0"/>
           </a:p>
@@ -35983,7 +35983,7 @@
               <a:rPr lang="tr-TR" sz="2200" dirty="0">
                 <a:latin typeface="Times New Roman" panose="02020603050405020304" pitchFamily="18" charset="0"/>
               </a:rPr>
-              <a:t>dan büyük olanların oluşturduğu küme </a:t>
+              <a:t> dan büyük olanların oluşturduğu küme </a:t>
             </a:r>
             <a:r>
               <a:rPr lang="el-GR" sz="2200" dirty="0">
@@ -47063,24 +47063,6 @@
 </file>
 
 <file path=customXml/item1.xml><?xml version="1.0" encoding="utf-8"?>
-<p:properties xmlns:p="http://schemas.microsoft.com/office/2006/metadata/properties" xmlns:xsi="http://www.w3.org/2001/XMLSchema-instance" xmlns:pc="http://schemas.microsoft.com/office/infopath/2007/PartnerControls">
-  <documentManagement>
-    <Status xmlns="71af3243-3dd4-4a8d-8c0d-dd76da1f02a5">Not started</Status>
-    <MediaServiceKeyPoints xmlns="71af3243-3dd4-4a8d-8c0d-dd76da1f02a5" xsi:nil="true"/>
-  </documentManagement>
-</p:properties>
-</file>
-
-<file path=customXml/item2.xml><?xml version="1.0" encoding="utf-8"?>
-<?mso-contentType ?>
-<FormTemplates xmlns="http://schemas.microsoft.com/sharepoint/v3/contenttype/forms">
-  <Display>DocumentLibraryForm</Display>
-  <Edit>DocumentLibraryForm</Edit>
-  <New>DocumentLibraryForm</New>
-</FormTemplates>
-</file>
-
-<file path=customXml/item3.xml><?xml version="1.0" encoding="utf-8"?>
 <ct:contentTypeSchema xmlns:ct="http://schemas.microsoft.com/office/2006/metadata/contentType" xmlns:ma="http://schemas.microsoft.com/office/2006/metadata/properties/metaAttributes" ct:_="" ma:_="" ma:contentTypeName="Document" ma:contentTypeID="0x01010079F111ED35F8CC479449609E8A0923A6" ma:contentTypeVersion="12" ma:contentTypeDescription="Create a new document." ma:contentTypeScope="" ma:versionID="426e97fa315356fffbdcd9876fe988c2">
   <xsd:schema xmlns:xsd="http://www.w3.org/2001/XMLSchema" xmlns:xs="http://www.w3.org/2001/XMLSchema" xmlns:p="http://schemas.microsoft.com/office/2006/metadata/properties" xmlns:ns2="71af3243-3dd4-4a8d-8c0d-dd76da1f02a5" xmlns:ns3="16c05727-aa75-4e4a-9b5f-8a80a1165891" targetNamespace="http://schemas.microsoft.com/office/2006/metadata/properties" ma:root="true" ma:fieldsID="14b8f0def80e6d70ce3def20c90759ae" ns2:_="" ns3:_="">
     <xsd:import namespace="71af3243-3dd4-4a8d-8c0d-dd76da1f02a5"/>
@@ -47301,25 +47283,25 @@
 </ct:contentTypeSchema>
 </file>
 
-<file path=customXml/itemProps1.xml><?xml version="1.0" encoding="utf-8"?>
-<ds:datastoreItem xmlns:ds="http://schemas.openxmlformats.org/officeDocument/2006/customXml" ds:itemID="{99919F73-B6C2-4A43-95E2-833EC48925FE}">
-  <ds:schemaRefs>
-    <ds:schemaRef ds:uri="http://schemas.microsoft.com/office/2006/metadata/properties"/>
-    <ds:schemaRef ds:uri="http://schemas.microsoft.com/office/infopath/2007/PartnerControls"/>
-    <ds:schemaRef ds:uri="71af3243-3dd4-4a8d-8c0d-dd76da1f02a5"/>
-  </ds:schemaRefs>
-</ds:datastoreItem>
+<file path=customXml/item2.xml><?xml version="1.0" encoding="utf-8"?>
+<p:properties xmlns:p="http://schemas.microsoft.com/office/2006/metadata/properties" xmlns:xsi="http://www.w3.org/2001/XMLSchema-instance" xmlns:pc="http://schemas.microsoft.com/office/infopath/2007/PartnerControls">
+  <documentManagement>
+    <Status xmlns="71af3243-3dd4-4a8d-8c0d-dd76da1f02a5">Not started</Status>
+    <MediaServiceKeyPoints xmlns="71af3243-3dd4-4a8d-8c0d-dd76da1f02a5" xsi:nil="true"/>
+  </documentManagement>
+</p:properties>
 </file>
 
-<file path=customXml/itemProps2.xml><?xml version="1.0" encoding="utf-8"?>
-<ds:datastoreItem xmlns:ds="http://schemas.openxmlformats.org/officeDocument/2006/customXml" ds:itemID="{3C8E00D1-8EA3-4E42-801D-0253E1EAFC21}">
-  <ds:schemaRefs>
-    <ds:schemaRef ds:uri="http://schemas.microsoft.com/sharepoint/v3/contenttype/forms"/>
-  </ds:schemaRefs>
-</ds:datastoreItem>
+<file path=customXml/item3.xml><?xml version="1.0" encoding="utf-8"?>
+<?mso-contentType ?>
+<FormTemplates xmlns="http://schemas.microsoft.com/sharepoint/v3/contenttype/forms">
+  <Display>DocumentLibraryForm</Display>
+  <Edit>DocumentLibraryForm</Edit>
+  <New>DocumentLibraryForm</New>
+</FormTemplates>
 </file>
 
-<file path=customXml/itemProps3.xml><?xml version="1.0" encoding="utf-8"?>
+<file path=customXml/itemProps1.xml><?xml version="1.0" encoding="utf-8"?>
 <ds:datastoreItem xmlns:ds="http://schemas.openxmlformats.org/officeDocument/2006/customXml" ds:itemID="{ABC329F5-30EE-4BF7-AA2A-B837B51416B4}">
   <ds:schemaRefs>
     <ds:schemaRef ds:uri="http://schemas.microsoft.com/office/2006/metadata/contentType"/>
@@ -47336,4 +47318,22 @@
     <ds:schemaRef ds:uri="http://schemas.microsoft.com/internal/obd"/>
   </ds:schemaRefs>
 </ds:datastoreItem>
+</file>
+
+<file path=customXml/itemProps2.xml><?xml version="1.0" encoding="utf-8"?>
+<ds:datastoreItem xmlns:ds="http://schemas.openxmlformats.org/officeDocument/2006/customXml" ds:itemID="{99919F73-B6C2-4A43-95E2-833EC48925FE}">
+  <ds:schemaRefs>
+    <ds:schemaRef ds:uri="http://schemas.microsoft.com/office/2006/metadata/properties"/>
+    <ds:schemaRef ds:uri="http://schemas.microsoft.com/office/infopath/2007/PartnerControls"/>
+    <ds:schemaRef ds:uri="71af3243-3dd4-4a8d-8c0d-dd76da1f02a5"/>
+  </ds:schemaRefs>
+</ds:datastoreItem>
+</file>
+
+<file path=customXml/itemProps3.xml><?xml version="1.0" encoding="utf-8"?>
+<ds:datastoreItem xmlns:ds="http://schemas.openxmlformats.org/officeDocument/2006/customXml" ds:itemID="{3C8E00D1-8EA3-4E42-801D-0253E1EAFC21}">
+  <ds:schemaRefs>
+    <ds:schemaRef ds:uri="http://schemas.microsoft.com/sharepoint/v3/contenttype/forms"/>
+  </ds:schemaRefs>
+</ds:datastoreItem>
 </file>